--- a/Clases/[3] Sentencias Switch.pptx
+++ b/Clases/[3] Sentencias Switch.pptx
@@ -9,8 +9,8 @@
   </p:notesMasterIdLst>
   <p:sldIdLst>
     <p:sldId id="256" r:id="rId2"/>
-    <p:sldId id="284" r:id="rId3"/>
-    <p:sldId id="285" r:id="rId4"/>
+    <p:sldId id="285" r:id="rId3"/>
+    <p:sldId id="284" r:id="rId4"/>
     <p:sldId id="286" r:id="rId5"/>
     <p:sldId id="287" r:id="rId6"/>
     <p:sldId id="290" r:id="rId7"/>
@@ -1034,7 +1034,7 @@
           <a:p>
             <a:fld id="{FFE43DF2-D420-41A5-9827-8F03A200AA7C}" type="slidenum">
               <a:rPr lang="en-US" smtClean="0"/>
-              <a:t>‹#›</a:t>
+              <a:t>‹Nº›</a:t>
             </a:fld>
             <a:endParaRPr lang="en-US"/>
           </a:p>
@@ -2115,7 +2115,7 @@
           <a:p>
             <a:fld id="{79983821-169F-493A-A182-E29A068C6D0C}" type="slidenum">
               <a:rPr lang="en-US" smtClean="0"/>
-              <a:t>‹#›</a:t>
+              <a:t>‹Nº›</a:t>
             </a:fld>
             <a:endParaRPr lang="en-US"/>
           </a:p>
@@ -2285,7 +2285,7 @@
           <a:p>
             <a:fld id="{79983821-169F-493A-A182-E29A068C6D0C}" type="slidenum">
               <a:rPr lang="en-US" smtClean="0"/>
-              <a:t>‹#›</a:t>
+              <a:t>‹Nº›</a:t>
             </a:fld>
             <a:endParaRPr lang="en-US"/>
           </a:p>
@@ -2465,7 +2465,7 @@
           <a:p>
             <a:fld id="{79983821-169F-493A-A182-E29A068C6D0C}" type="slidenum">
               <a:rPr lang="en-US" smtClean="0"/>
-              <a:t>‹#›</a:t>
+              <a:t>‹Nº›</a:t>
             </a:fld>
             <a:endParaRPr lang="en-US"/>
           </a:p>
@@ -2635,7 +2635,7 @@
           <a:p>
             <a:fld id="{79983821-169F-493A-A182-E29A068C6D0C}" type="slidenum">
               <a:rPr lang="en-US" smtClean="0"/>
-              <a:t>‹#›</a:t>
+              <a:t>‹Nº›</a:t>
             </a:fld>
             <a:endParaRPr lang="en-US"/>
           </a:p>
@@ -2879,7 +2879,7 @@
           <a:p>
             <a:fld id="{79983821-169F-493A-A182-E29A068C6D0C}" type="slidenum">
               <a:rPr lang="en-US" smtClean="0"/>
-              <a:t>‹#›</a:t>
+              <a:t>‹Nº›</a:t>
             </a:fld>
             <a:endParaRPr lang="en-US"/>
           </a:p>
@@ -3111,7 +3111,7 @@
           <a:p>
             <a:fld id="{79983821-169F-493A-A182-E29A068C6D0C}" type="slidenum">
               <a:rPr lang="en-US" smtClean="0"/>
-              <a:t>‹#›</a:t>
+              <a:t>‹Nº›</a:t>
             </a:fld>
             <a:endParaRPr lang="en-US"/>
           </a:p>
@@ -3478,7 +3478,7 @@
           <a:p>
             <a:fld id="{79983821-169F-493A-A182-E29A068C6D0C}" type="slidenum">
               <a:rPr lang="en-US" smtClean="0"/>
-              <a:t>‹#›</a:t>
+              <a:t>‹Nº›</a:t>
             </a:fld>
             <a:endParaRPr lang="en-US"/>
           </a:p>
@@ -3596,7 +3596,7 @@
           <a:p>
             <a:fld id="{79983821-169F-493A-A182-E29A068C6D0C}" type="slidenum">
               <a:rPr lang="en-US" smtClean="0"/>
-              <a:t>‹#›</a:t>
+              <a:t>‹Nº›</a:t>
             </a:fld>
             <a:endParaRPr lang="en-US"/>
           </a:p>
@@ -3691,7 +3691,7 @@
           <a:p>
             <a:fld id="{79983821-169F-493A-A182-E29A068C6D0C}" type="slidenum">
               <a:rPr lang="en-US" smtClean="0"/>
-              <a:t>‹#›</a:t>
+              <a:t>‹Nº›</a:t>
             </a:fld>
             <a:endParaRPr lang="en-US"/>
           </a:p>
@@ -3968,7 +3968,7 @@
           <a:p>
             <a:fld id="{79983821-169F-493A-A182-E29A068C6D0C}" type="slidenum">
               <a:rPr lang="en-US" smtClean="0"/>
-              <a:t>‹#›</a:t>
+              <a:t>‹Nº›</a:t>
             </a:fld>
             <a:endParaRPr lang="en-US"/>
           </a:p>
@@ -4225,7 +4225,7 @@
           <a:p>
             <a:fld id="{79983821-169F-493A-A182-E29A068C6D0C}" type="slidenum">
               <a:rPr lang="en-US" smtClean="0"/>
-              <a:t>‹#›</a:t>
+              <a:t>‹Nº›</a:t>
             </a:fld>
             <a:endParaRPr lang="en-US"/>
           </a:p>
@@ -4474,7 +4474,7 @@
           <a:p>
             <a:fld id="{79983821-169F-493A-A182-E29A068C6D0C}" type="slidenum">
               <a:rPr lang="en-US" smtClean="0"/>
-              <a:t>‹#›</a:t>
+              <a:t>‹Nº›</a:t>
             </a:fld>
             <a:endParaRPr lang="en-US"/>
           </a:p>
@@ -4814,10 +4814,10 @@
           <p:cNvPr id="8" name="Rectangle 7">
             <a:extLst>
               <a:ext uri="{FF2B5EF4-FFF2-40B4-BE49-F238E27FC236}">
-                <a16:creationId xmlns:a16="http://schemas.microsoft.com/office/drawing/2014/main" id="{559AE206-7EBA-4D33-8BC9-9D8158553F0E}"/>
+                <a16:creationId xmlns:a16="http://schemas.microsoft.com/office/drawing/2014/main" xmlns="" id="{559AE206-7EBA-4D33-8BC9-9D8158553F0E}"/>
               </a:ext>
               <a:ext uri="{C183D7F6-B498-43B3-948B-1728B52AA6E4}">
-                <adec:decorative xmlns:adec="http://schemas.microsoft.com/office/drawing/2017/decorative" val="1"/>
+                <adec:decorative xmlns:adec="http://schemas.microsoft.com/office/drawing/2017/decorative" xmlns="" val="1"/>
               </a:ext>
             </a:extLst>
           </p:cNvPr>
@@ -4827,7 +4827,7 @@
           <p:nvPr>
             <p:extLst>
               <p:ext uri="{386F3935-93C4-4BCD-93E2-E3B085C9AB24}">
-                <p16:designElem xmlns:p16="http://schemas.microsoft.com/office/powerpoint/2015/main" val="1"/>
+                <p16:designElem xmlns:p16="http://schemas.microsoft.com/office/powerpoint/2015/main" xmlns="" val="1"/>
               </p:ext>
             </p:extLst>
           </p:nvPr>
@@ -4947,10 +4947,10 @@
           <p:cNvPr id="10" name="Oval 9">
             <a:extLst>
               <a:ext uri="{FF2B5EF4-FFF2-40B4-BE49-F238E27FC236}">
-                <a16:creationId xmlns:a16="http://schemas.microsoft.com/office/drawing/2014/main" id="{6437D937-A7F1-4011-92B4-328E5BE1B166}"/>
+                <a16:creationId xmlns:a16="http://schemas.microsoft.com/office/drawing/2014/main" xmlns="" id="{6437D937-A7F1-4011-92B4-328E5BE1B166}"/>
               </a:ext>
               <a:ext uri="{C183D7F6-B498-43B3-948B-1728B52AA6E4}">
-                <adec:decorative xmlns:adec="http://schemas.microsoft.com/office/drawing/2017/decorative" val="1"/>
+                <adec:decorative xmlns:adec="http://schemas.microsoft.com/office/drawing/2017/decorative" xmlns="" val="1"/>
               </a:ext>
             </a:extLst>
           </p:cNvPr>
@@ -4960,7 +4960,7 @@
           <p:nvPr>
             <p:extLst>
               <p:ext uri="{386F3935-93C4-4BCD-93E2-E3B085C9AB24}">
-                <p16:designElem xmlns:p16="http://schemas.microsoft.com/office/powerpoint/2015/main" val="1"/>
+                <p16:designElem xmlns:p16="http://schemas.microsoft.com/office/powerpoint/2015/main" xmlns="" val="1"/>
               </p:ext>
             </p:extLst>
           </p:nvPr>
@@ -5017,10 +5017,10 @@
           <p:cNvPr id="12" name="Oval 11">
             <a:extLst>
               <a:ext uri="{FF2B5EF4-FFF2-40B4-BE49-F238E27FC236}">
-                <a16:creationId xmlns:a16="http://schemas.microsoft.com/office/drawing/2014/main" id="{B672F332-AF08-46C6-94F0-77684310D7B7}"/>
+                <a16:creationId xmlns:a16="http://schemas.microsoft.com/office/drawing/2014/main" xmlns="" id="{B672F332-AF08-46C6-94F0-77684310D7B7}"/>
               </a:ext>
               <a:ext uri="{C183D7F6-B498-43B3-948B-1728B52AA6E4}">
-                <adec:decorative xmlns:adec="http://schemas.microsoft.com/office/drawing/2017/decorative" val="1"/>
+                <adec:decorative xmlns:adec="http://schemas.microsoft.com/office/drawing/2017/decorative" xmlns="" val="1"/>
               </a:ext>
             </a:extLst>
           </p:cNvPr>
@@ -5030,7 +5030,7 @@
           <p:nvPr>
             <p:extLst>
               <p:ext uri="{386F3935-93C4-4BCD-93E2-E3B085C9AB24}">
-                <p16:designElem xmlns:p16="http://schemas.microsoft.com/office/powerpoint/2015/main" val="1"/>
+                <p16:designElem xmlns:p16="http://schemas.microsoft.com/office/powerpoint/2015/main" xmlns="" val="1"/>
               </p:ext>
             </p:extLst>
           </p:nvPr>
@@ -5087,10 +5087,10 @@
           <p:cNvPr id="14" name="Oval 13">
             <a:extLst>
               <a:ext uri="{FF2B5EF4-FFF2-40B4-BE49-F238E27FC236}">
-                <a16:creationId xmlns:a16="http://schemas.microsoft.com/office/drawing/2014/main" id="{34244EF8-D73A-40E1-BE73-D46E6B4B04ED}"/>
+                <a16:creationId xmlns:a16="http://schemas.microsoft.com/office/drawing/2014/main" xmlns="" id="{34244EF8-D73A-40E1-BE73-D46E6B4B04ED}"/>
               </a:ext>
               <a:ext uri="{C183D7F6-B498-43B3-948B-1728B52AA6E4}">
-                <adec:decorative xmlns:adec="http://schemas.microsoft.com/office/drawing/2017/decorative" val="1"/>
+                <adec:decorative xmlns:adec="http://schemas.microsoft.com/office/drawing/2017/decorative" xmlns="" val="1"/>
               </a:ext>
             </a:extLst>
           </p:cNvPr>
@@ -5100,7 +5100,7 @@
           <p:nvPr>
             <p:extLst>
               <p:ext uri="{386F3935-93C4-4BCD-93E2-E3B085C9AB24}">
-                <p16:designElem xmlns:p16="http://schemas.microsoft.com/office/powerpoint/2015/main" val="1"/>
+                <p16:designElem xmlns:p16="http://schemas.microsoft.com/office/powerpoint/2015/main" xmlns="" val="1"/>
               </p:ext>
             </p:extLst>
           </p:nvPr>
@@ -5157,10 +5157,10 @@
           <p:cNvPr id="16" name="Freeform: Shape 15">
             <a:extLst>
               <a:ext uri="{FF2B5EF4-FFF2-40B4-BE49-F238E27FC236}">
-                <a16:creationId xmlns:a16="http://schemas.microsoft.com/office/drawing/2014/main" id="{AB84D7E8-4ECB-42D7-ADBF-01689B0F24AE}"/>
+                <a16:creationId xmlns:a16="http://schemas.microsoft.com/office/drawing/2014/main" xmlns="" id="{AB84D7E8-4ECB-42D7-ADBF-01689B0F24AE}"/>
               </a:ext>
               <a:ext uri="{C183D7F6-B498-43B3-948B-1728B52AA6E4}">
-                <adec:decorative xmlns:adec="http://schemas.microsoft.com/office/drawing/2017/decorative" val="1"/>
+                <adec:decorative xmlns:adec="http://schemas.microsoft.com/office/drawing/2017/decorative" xmlns="" val="1"/>
               </a:ext>
             </a:extLst>
           </p:cNvPr>
@@ -5170,7 +5170,7 @@
           <p:nvPr>
             <p:extLst>
               <p:ext uri="{386F3935-93C4-4BCD-93E2-E3B085C9AB24}">
-                <p16:designElem xmlns:p16="http://schemas.microsoft.com/office/powerpoint/2015/main" val="1"/>
+                <p16:designElem xmlns:p16="http://schemas.microsoft.com/office/powerpoint/2015/main" xmlns="" val="1"/>
               </p:ext>
             </p:extLst>
           </p:nvPr>
@@ -5290,10 +5290,10 @@
           <p:cNvPr id="18" name="Straight Connector 17">
             <a:extLst>
               <a:ext uri="{FF2B5EF4-FFF2-40B4-BE49-F238E27FC236}">
-                <a16:creationId xmlns:a16="http://schemas.microsoft.com/office/drawing/2014/main" id="{9E8E38ED-369A-44C2-B635-0BED0E48A6E8}"/>
+                <a16:creationId xmlns:a16="http://schemas.microsoft.com/office/drawing/2014/main" xmlns="" id="{9E8E38ED-369A-44C2-B635-0BED0E48A6E8}"/>
               </a:ext>
               <a:ext uri="{C183D7F6-B498-43B3-948B-1728B52AA6E4}">
-                <adec:decorative xmlns:adec="http://schemas.microsoft.com/office/drawing/2017/decorative" val="1"/>
+                <adec:decorative xmlns:adec="http://schemas.microsoft.com/office/drawing/2017/decorative" xmlns="" val="1"/>
               </a:ext>
             </a:extLst>
           </p:cNvPr>
@@ -5303,7 +5303,7 @@
           <p:nvPr>
             <p:extLst>
               <p:ext uri="{386F3935-93C4-4BCD-93E2-E3B085C9AB24}">
-                <p16:designElem xmlns:p16="http://schemas.microsoft.com/office/powerpoint/2015/main" val="1"/>
+                <p16:designElem xmlns:p16="http://schemas.microsoft.com/office/powerpoint/2015/main" xmlns="" val="1"/>
               </p:ext>
             </p:extLst>
           </p:nvPr>
@@ -5347,6 +5347,13 @@
   <p:clrMapOvr>
     <a:masterClrMapping/>
   </p:clrMapOvr>
+  <p:timing>
+    <p:tnLst>
+      <p:par>
+        <p:cTn id="1" dur="indefinite" restart="never" nodeType="tmRoot"/>
+      </p:par>
+    </p:tnLst>
+  </p:timing>
 </p:sld>
 </file>
 
@@ -5372,7 +5379,7 @@
           <p:cNvPr id="2" name="Title 1">
             <a:extLst>
               <a:ext uri="{FF2B5EF4-FFF2-40B4-BE49-F238E27FC236}">
-                <a16:creationId xmlns:a16="http://schemas.microsoft.com/office/drawing/2014/main" id="{295037BE-1EDE-4B41-94F5-EA215A85B21F}"/>
+                <a16:creationId xmlns:a16="http://schemas.microsoft.com/office/drawing/2014/main" xmlns="" id="{295037BE-1EDE-4B41-94F5-EA215A85B21F}"/>
               </a:ext>
             </a:extLst>
           </p:cNvPr>
@@ -5408,7 +5415,7 @@
           <p:cNvPr id="8" name="Content Placeholder 7">
             <a:extLst>
               <a:ext uri="{FF2B5EF4-FFF2-40B4-BE49-F238E27FC236}">
-                <a16:creationId xmlns:a16="http://schemas.microsoft.com/office/drawing/2014/main" id="{56169BDA-51E4-44AD-AA2B-A3FE14A1F87F}"/>
+                <a16:creationId xmlns:a16="http://schemas.microsoft.com/office/drawing/2014/main" xmlns="" id="{56169BDA-51E4-44AD-AA2B-A3FE14A1F87F}"/>
               </a:ext>
             </a:extLst>
           </p:cNvPr>
@@ -5445,6 +5452,13 @@
   <p:clrMapOvr>
     <a:masterClrMapping/>
   </p:clrMapOvr>
+  <p:timing>
+    <p:tnLst>
+      <p:par>
+        <p:cTn id="1" dur="indefinite" restart="never" nodeType="tmRoot"/>
+      </p:par>
+    </p:tnLst>
+  </p:timing>
 </p:sld>
 </file>
 
@@ -5470,7 +5484,7 @@
           <p:cNvPr id="2" name="Title 1">
             <a:extLst>
               <a:ext uri="{FF2B5EF4-FFF2-40B4-BE49-F238E27FC236}">
-                <a16:creationId xmlns:a16="http://schemas.microsoft.com/office/drawing/2014/main" id="{42C5A5FD-5493-432E-9BD2-C9CC32F81499}"/>
+                <a16:creationId xmlns:a16="http://schemas.microsoft.com/office/drawing/2014/main" xmlns="" id="{42C5A5FD-5493-432E-9BD2-C9CC32F81499}"/>
               </a:ext>
             </a:extLst>
           </p:cNvPr>
@@ -5499,7 +5513,7 @@
           <p:cNvPr id="3" name="Content Placeholder 2">
             <a:extLst>
               <a:ext uri="{FF2B5EF4-FFF2-40B4-BE49-F238E27FC236}">
-                <a16:creationId xmlns:a16="http://schemas.microsoft.com/office/drawing/2014/main" id="{7F44C890-3AEE-4E89-8568-8B78495E0D90}"/>
+                <a16:creationId xmlns:a16="http://schemas.microsoft.com/office/drawing/2014/main" xmlns="" id="{7F44C890-3AEE-4E89-8568-8B78495E0D90}"/>
               </a:ext>
             </a:extLst>
           </p:cNvPr>
@@ -5523,8 +5537,25 @@
           <a:p>
             <a:r>
               <a:rPr lang="es-AR" sz="4800" dirty="0"/>
-              <a:t> Modelos de parciales: 4 y 5.</a:t>
-            </a:r>
+              <a:t> Modelos de parciales: </a:t>
+            </a:r>
+            <a:r>
+              <a:rPr lang="es-AR" sz="4800" dirty="0" smtClean="0"/>
+              <a:t>5 </a:t>
+            </a:r>
+            <a:r>
+              <a:rPr lang="es-AR" sz="4800" dirty="0"/>
+              <a:t>y </a:t>
+            </a:r>
+            <a:r>
+              <a:rPr lang="es-AR" sz="4800" dirty="0"/>
+              <a:t>6</a:t>
+            </a:r>
+            <a:r>
+              <a:rPr lang="es-AR" sz="4800" dirty="0" smtClean="0"/>
+              <a:t>.</a:t>
+            </a:r>
+            <a:endParaRPr lang="es-AR" sz="4800" dirty="0"/>
           </a:p>
           <a:p>
             <a:r>
@@ -5547,6 +5578,13 @@
   <p:clrMapOvr>
     <a:masterClrMapping/>
   </p:clrMapOvr>
+  <p:timing>
+    <p:tnLst>
+      <p:par>
+        <p:cTn id="1" dur="indefinite" restart="never" nodeType="tmRoot"/>
+      </p:par>
+    </p:tnLst>
+  </p:timing>
 </p:sld>
 </file>
 
@@ -5743,10 +5781,171 @@
   <p:clrMapOvr>
     <a:masterClrMapping/>
   </p:clrMapOvr>
+  <p:timing>
+    <p:tnLst>
+      <p:par>
+        <p:cTn id="1" dur="indefinite" restart="never" nodeType="tmRoot"/>
+      </p:par>
+    </p:tnLst>
+  </p:timing>
 </p:sld>
 </file>
 
 <file path=ppt/slides/slide2.xml><?xml version="1.0" encoding="utf-8"?>
+<p:sld xmlns:a="http://schemas.openxmlformats.org/drawingml/2006/main" xmlns:r="http://schemas.openxmlformats.org/officeDocument/2006/relationships" xmlns:p="http://schemas.openxmlformats.org/presentationml/2006/main">
+  <p:cSld>
+    <p:spTree>
+      <p:nvGrpSpPr>
+        <p:cNvPr id="1" name=""/>
+        <p:cNvGrpSpPr/>
+        <p:nvPr/>
+      </p:nvGrpSpPr>
+      <p:grpSpPr>
+        <a:xfrm>
+          <a:off x="0" y="0"/>
+          <a:ext cx="0" cy="0"/>
+          <a:chOff x="0" y="0"/>
+          <a:chExt cx="0" cy="0"/>
+        </a:xfrm>
+      </p:grpSpPr>
+      <p:sp>
+        <p:nvSpPr>
+          <p:cNvPr id="2" name="Title 1">
+            <a:extLst>
+              <a:ext uri="{FF2B5EF4-FFF2-40B4-BE49-F238E27FC236}">
+                <a16:creationId xmlns:a16="http://schemas.microsoft.com/office/drawing/2014/main" xmlns="" id="{EDF5F7FB-C517-4018-A128-6920BAEC899C}"/>
+              </a:ext>
+            </a:extLst>
+          </p:cNvPr>
+          <p:cNvSpPr>
+            <a:spLocks noGrp="1"/>
+          </p:cNvSpPr>
+          <p:nvPr>
+            <p:ph type="title"/>
+          </p:nvPr>
+        </p:nvSpPr>
+        <p:spPr/>
+        <p:txBody>
+          <a:bodyPr/>
+          <a:lstStyle/>
+          <a:p>
+            <a:r>
+              <a:rPr lang="es-AR" dirty="0"/>
+              <a:t>Hasta acá deberíamos tener hecho…</a:t>
+            </a:r>
+            <a:endParaRPr lang="en-US" dirty="0"/>
+          </a:p>
+        </p:txBody>
+      </p:sp>
+      <p:sp>
+        <p:nvSpPr>
+          <p:cNvPr id="3" name="Content Placeholder 2">
+            <a:extLst>
+              <a:ext uri="{FF2B5EF4-FFF2-40B4-BE49-F238E27FC236}">
+                <a16:creationId xmlns:a16="http://schemas.microsoft.com/office/drawing/2014/main" xmlns="" id="{0A68A245-02A2-4B25-8379-AEC994183147}"/>
+              </a:ext>
+            </a:extLst>
+          </p:cNvPr>
+          <p:cNvSpPr>
+            <a:spLocks noGrp="1"/>
+          </p:cNvSpPr>
+          <p:nvPr>
+            <p:ph idx="1"/>
+          </p:nvPr>
+        </p:nvSpPr>
+        <p:spPr/>
+        <p:txBody>
+          <a:bodyPr/>
+          <a:lstStyle/>
+          <a:p>
+            <a:pPr marL="0" indent="0">
+              <a:buNone/>
+            </a:pPr>
+            <a:r>
+              <a:rPr lang="es-AR" dirty="0"/>
+              <a:t>Tema 01:</a:t>
+            </a:r>
+          </a:p>
+          <a:p>
+            <a:pPr lvl="1"/>
+            <a:r>
+              <a:rPr lang="es-AR" dirty="0"/>
+              <a:t>Ejercicios E/S Datos: 1 al 10.</a:t>
+            </a:r>
+          </a:p>
+          <a:p>
+            <a:pPr lvl="1"/>
+            <a:r>
+              <a:rPr lang="es-AR" dirty="0"/>
+              <a:t>Modelos de Parcial: Ejercicios 1, 2, 3.</a:t>
+            </a:r>
+          </a:p>
+          <a:p>
+            <a:pPr lvl="1"/>
+            <a:r>
+              <a:rPr lang="es-AR" dirty="0"/>
+              <a:t>Trabajos Prácticos:  1, 2, 3, </a:t>
+            </a:r>
+          </a:p>
+          <a:p>
+            <a:pPr marL="0" indent="0">
+              <a:buNone/>
+            </a:pPr>
+            <a:r>
+              <a:rPr lang="es-AR" dirty="0"/>
+              <a:t>Tema 02:</a:t>
+            </a:r>
+          </a:p>
+          <a:p>
+            <a:pPr lvl="1"/>
+            <a:r>
+              <a:rPr lang="es-AR" dirty="0"/>
+              <a:t>Ejercicios Instrucción “IF”: 1 al 10.</a:t>
+            </a:r>
+          </a:p>
+          <a:p>
+            <a:pPr lvl="1"/>
+            <a:r>
+              <a:rPr lang="es-AR" dirty="0"/>
+              <a:t>Modelos de Parcial: Ejercicio 4.</a:t>
+            </a:r>
+          </a:p>
+          <a:p>
+            <a:pPr lvl="1"/>
+            <a:r>
+              <a:rPr lang="es-AR" dirty="0"/>
+              <a:t>Trabajos Prácticos: 5</a:t>
+            </a:r>
+          </a:p>
+          <a:p>
+            <a:endParaRPr lang="es-AR" dirty="0"/>
+          </a:p>
+          <a:p>
+            <a:endParaRPr lang="en-US" dirty="0"/>
+          </a:p>
+        </p:txBody>
+      </p:sp>
+    </p:spTree>
+    <p:extLst>
+      <p:ext uri="{BB962C8B-B14F-4D97-AF65-F5344CB8AC3E}">
+        <p14:creationId xmlns:p14="http://schemas.microsoft.com/office/powerpoint/2010/main" val="1182508265"/>
+      </p:ext>
+    </p:extLst>
+  </p:cSld>
+  <p:clrMapOvr>
+    <a:masterClrMapping/>
+  </p:clrMapOvr>
+  <p:timing>
+    <p:tnLst>
+      <p:par>
+        <p:cTn id="1" dur="indefinite" restart="never" nodeType="tmRoot"/>
+      </p:par>
+    </p:tnLst>
+  </p:timing>
+</p:sld>
+</file>
+
+<file path=ppt/slides/slide3.xml><?xml version="1.0" encoding="utf-8"?>
 <p:sld xmlns:a="http://schemas.openxmlformats.org/drawingml/2006/main" xmlns:r="http://schemas.openxmlformats.org/officeDocument/2006/relationships" xmlns:p="http://schemas.openxmlformats.org/presentationml/2006/main">
   <p:cSld>
     <p:spTree>
@@ -5768,7 +5967,7 @@
           <p:cNvPr id="3" name="Picture 2" descr="A black computer monitor on a desk&#10;&#10;Description automatically generated">
             <a:extLst>
               <a:ext uri="{FF2B5EF4-FFF2-40B4-BE49-F238E27FC236}">
-                <a16:creationId xmlns:a16="http://schemas.microsoft.com/office/drawing/2014/main" id="{5E977125-FA99-4684-8577-36BFFDA8086F}"/>
+                <a16:creationId xmlns:a16="http://schemas.microsoft.com/office/drawing/2014/main" xmlns="" id="{5E977125-FA99-4684-8577-36BFFDA8086F}"/>
               </a:ext>
             </a:extLst>
           </p:cNvPr>
@@ -5809,153 +6008,13 @@
   <p:clrMapOvr>
     <a:masterClrMapping/>
   </p:clrMapOvr>
-</p:sld>
-</file>
-
-<file path=ppt/slides/slide3.xml><?xml version="1.0" encoding="utf-8"?>
-<p:sld xmlns:a="http://schemas.openxmlformats.org/drawingml/2006/main" xmlns:r="http://schemas.openxmlformats.org/officeDocument/2006/relationships" xmlns:p="http://schemas.openxmlformats.org/presentationml/2006/main">
-  <p:cSld>
-    <p:spTree>
-      <p:nvGrpSpPr>
-        <p:cNvPr id="1" name=""/>
-        <p:cNvGrpSpPr/>
-        <p:nvPr/>
-      </p:nvGrpSpPr>
-      <p:grpSpPr>
-        <a:xfrm>
-          <a:off x="0" y="0"/>
-          <a:ext cx="0" cy="0"/>
-          <a:chOff x="0" y="0"/>
-          <a:chExt cx="0" cy="0"/>
-        </a:xfrm>
-      </p:grpSpPr>
-      <p:sp>
-        <p:nvSpPr>
-          <p:cNvPr id="2" name="Title 1">
-            <a:extLst>
-              <a:ext uri="{FF2B5EF4-FFF2-40B4-BE49-F238E27FC236}">
-                <a16:creationId xmlns:a16="http://schemas.microsoft.com/office/drawing/2014/main" id="{EDF5F7FB-C517-4018-A128-6920BAEC899C}"/>
-              </a:ext>
-            </a:extLst>
-          </p:cNvPr>
-          <p:cNvSpPr>
-            <a:spLocks noGrp="1"/>
-          </p:cNvSpPr>
-          <p:nvPr>
-            <p:ph type="title"/>
-          </p:nvPr>
-        </p:nvSpPr>
-        <p:spPr/>
-        <p:txBody>
-          <a:bodyPr/>
-          <a:lstStyle/>
-          <a:p>
-            <a:r>
-              <a:rPr lang="es-AR" dirty="0"/>
-              <a:t>Hasta acá deberíamos tener hecho…</a:t>
-            </a:r>
-            <a:endParaRPr lang="en-US" dirty="0"/>
-          </a:p>
-        </p:txBody>
-      </p:sp>
-      <p:sp>
-        <p:nvSpPr>
-          <p:cNvPr id="3" name="Content Placeholder 2">
-            <a:extLst>
-              <a:ext uri="{FF2B5EF4-FFF2-40B4-BE49-F238E27FC236}">
-                <a16:creationId xmlns:a16="http://schemas.microsoft.com/office/drawing/2014/main" id="{0A68A245-02A2-4B25-8379-AEC994183147}"/>
-              </a:ext>
-            </a:extLst>
-          </p:cNvPr>
-          <p:cNvSpPr>
-            <a:spLocks noGrp="1"/>
-          </p:cNvSpPr>
-          <p:nvPr>
-            <p:ph idx="1"/>
-          </p:nvPr>
-        </p:nvSpPr>
-        <p:spPr/>
-        <p:txBody>
-          <a:bodyPr/>
-          <a:lstStyle/>
-          <a:p>
-            <a:pPr marL="0" indent="0">
-              <a:buNone/>
-            </a:pPr>
-            <a:r>
-              <a:rPr lang="es-AR" dirty="0"/>
-              <a:t>Tema 01:</a:t>
-            </a:r>
-          </a:p>
-          <a:p>
-            <a:pPr lvl="1"/>
-            <a:r>
-              <a:rPr lang="es-AR" dirty="0"/>
-              <a:t>Ejercicios E/S Datos: 1 al 10.</a:t>
-            </a:r>
-          </a:p>
-          <a:p>
-            <a:pPr lvl="1"/>
-            <a:r>
-              <a:rPr lang="es-AR" dirty="0"/>
-              <a:t>Modelos de Parcial: Ejercicios 1, 2, 3.</a:t>
-            </a:r>
-          </a:p>
-          <a:p>
-            <a:pPr lvl="1"/>
-            <a:r>
-              <a:rPr lang="es-AR" dirty="0"/>
-              <a:t>Trabajos Prácticos:  1, 2, 3, </a:t>
-            </a:r>
-          </a:p>
-          <a:p>
-            <a:pPr marL="0" indent="0">
-              <a:buNone/>
-            </a:pPr>
-            <a:r>
-              <a:rPr lang="es-AR" dirty="0"/>
-              <a:t>Tema 02:</a:t>
-            </a:r>
-          </a:p>
-          <a:p>
-            <a:pPr lvl="1"/>
-            <a:r>
-              <a:rPr lang="es-AR" dirty="0"/>
-              <a:t>Ejercicios Instrucción “IF”: 1 al 10.</a:t>
-            </a:r>
-          </a:p>
-          <a:p>
-            <a:pPr lvl="1"/>
-            <a:r>
-              <a:rPr lang="es-AR" dirty="0"/>
-              <a:t>Modelos de Parcial: Ejercicio 4.</a:t>
-            </a:r>
-          </a:p>
-          <a:p>
-            <a:pPr lvl="1"/>
-            <a:r>
-              <a:rPr lang="es-AR" dirty="0"/>
-              <a:t>Trabajos Prácticos: 5</a:t>
-            </a:r>
-          </a:p>
-          <a:p>
-            <a:endParaRPr lang="es-AR" dirty="0"/>
-          </a:p>
-          <a:p>
-            <a:endParaRPr lang="en-US" dirty="0"/>
-          </a:p>
-        </p:txBody>
-      </p:sp>
-    </p:spTree>
-    <p:extLst>
-      <p:ext uri="{BB962C8B-B14F-4D97-AF65-F5344CB8AC3E}">
-        <p14:creationId xmlns:p14="http://schemas.microsoft.com/office/powerpoint/2010/main" val="1182508265"/>
-      </p:ext>
-    </p:extLst>
-  </p:cSld>
-  <p:clrMapOvr>
-    <a:masterClrMapping/>
-  </p:clrMapOvr>
+  <p:timing>
+    <p:tnLst>
+      <p:par>
+        <p:cTn id="1" dur="indefinite" restart="never" nodeType="tmRoot"/>
+      </p:par>
+    </p:tnLst>
+  </p:timing>
 </p:sld>
 </file>
 
@@ -5981,7 +6040,7 @@
           <p:cNvPr id="2" name="Title 1">
             <a:extLst>
               <a:ext uri="{FF2B5EF4-FFF2-40B4-BE49-F238E27FC236}">
-                <a16:creationId xmlns:a16="http://schemas.microsoft.com/office/drawing/2014/main" id="{A3F73AB9-1578-4044-B063-6E3C1E5A5F36}"/>
+                <a16:creationId xmlns:a16="http://schemas.microsoft.com/office/drawing/2014/main" xmlns="" id="{A3F73AB9-1578-4044-B063-6E3C1E5A5F36}"/>
               </a:ext>
             </a:extLst>
           </p:cNvPr>
@@ -6014,7 +6073,7 @@
           <p:cNvPr id="3" name="Content Placeholder 2">
             <a:extLst>
               <a:ext uri="{FF2B5EF4-FFF2-40B4-BE49-F238E27FC236}">
-                <a16:creationId xmlns:a16="http://schemas.microsoft.com/office/drawing/2014/main" id="{159F9173-B438-4115-875A-1EC379659F28}"/>
+                <a16:creationId xmlns:a16="http://schemas.microsoft.com/office/drawing/2014/main" xmlns="" id="{159F9173-B438-4115-875A-1EC379659F28}"/>
               </a:ext>
             </a:extLst>
           </p:cNvPr>
@@ -6140,6 +6199,13 @@
   <p:clrMapOvr>
     <a:masterClrMapping/>
   </p:clrMapOvr>
+  <p:timing>
+    <p:tnLst>
+      <p:par>
+        <p:cTn id="1" dur="indefinite" restart="never" nodeType="tmRoot"/>
+      </p:par>
+    </p:tnLst>
+  </p:timing>
 </p:sld>
 </file>
 
@@ -6165,7 +6231,7 @@
           <p:cNvPr id="2" name="Title 1">
             <a:extLst>
               <a:ext uri="{FF2B5EF4-FFF2-40B4-BE49-F238E27FC236}">
-                <a16:creationId xmlns:a16="http://schemas.microsoft.com/office/drawing/2014/main" id="{5031369A-4AD3-4587-8575-41AEB2436359}"/>
+                <a16:creationId xmlns:a16="http://schemas.microsoft.com/office/drawing/2014/main" xmlns="" id="{5031369A-4AD3-4587-8575-41AEB2436359}"/>
               </a:ext>
             </a:extLst>
           </p:cNvPr>
@@ -6194,7 +6260,7 @@
           <p:cNvPr id="4" name="Content Placeholder 3">
             <a:extLst>
               <a:ext uri="{FF2B5EF4-FFF2-40B4-BE49-F238E27FC236}">
-                <a16:creationId xmlns:a16="http://schemas.microsoft.com/office/drawing/2014/main" id="{A8B018FD-A219-4FF7-8B74-99E6C13FDA34}"/>
+                <a16:creationId xmlns:a16="http://schemas.microsoft.com/office/drawing/2014/main" xmlns="" id="{A8B018FD-A219-4FF7-8B74-99E6C13FDA34}"/>
               </a:ext>
             </a:extLst>
           </p:cNvPr>
@@ -6245,6 +6311,13 @@
   <p:clrMapOvr>
     <a:masterClrMapping/>
   </p:clrMapOvr>
+  <p:timing>
+    <p:tnLst>
+      <p:par>
+        <p:cTn id="1" dur="indefinite" restart="never" nodeType="tmRoot"/>
+      </p:par>
+    </p:tnLst>
+  </p:timing>
 </p:sld>
 </file>
 
@@ -6270,7 +6343,7 @@
           <p:cNvPr id="2" name="Title 1">
             <a:extLst>
               <a:ext uri="{FF2B5EF4-FFF2-40B4-BE49-F238E27FC236}">
-                <a16:creationId xmlns:a16="http://schemas.microsoft.com/office/drawing/2014/main" id="{11D39735-48A4-4CE4-B694-1821D5312F10}"/>
+                <a16:creationId xmlns:a16="http://schemas.microsoft.com/office/drawing/2014/main" xmlns="" id="{11D39735-48A4-4CE4-B694-1821D5312F10}"/>
               </a:ext>
             </a:extLst>
           </p:cNvPr>
@@ -6299,7 +6372,7 @@
           <p:cNvPr id="3" name="Content Placeholder 2">
             <a:extLst>
               <a:ext uri="{FF2B5EF4-FFF2-40B4-BE49-F238E27FC236}">
-                <a16:creationId xmlns:a16="http://schemas.microsoft.com/office/drawing/2014/main" id="{5DA9D906-BED8-4736-ADCF-4A6D86F38997}"/>
+                <a16:creationId xmlns:a16="http://schemas.microsoft.com/office/drawing/2014/main" xmlns="" id="{5DA9D906-BED8-4736-ADCF-4A6D86F38997}"/>
               </a:ext>
             </a:extLst>
           </p:cNvPr>
@@ -6441,7 +6514,7 @@
           <p:cNvPr id="5" name="Picture 4">
             <a:extLst>
               <a:ext uri="{FF2B5EF4-FFF2-40B4-BE49-F238E27FC236}">
-                <a16:creationId xmlns:a16="http://schemas.microsoft.com/office/drawing/2014/main" id="{5C603AAE-0F6C-443D-B588-2555CD410E6C}"/>
+                <a16:creationId xmlns:a16="http://schemas.microsoft.com/office/drawing/2014/main" xmlns="" id="{5C603AAE-0F6C-443D-B588-2555CD410E6C}"/>
               </a:ext>
             </a:extLst>
           </p:cNvPr>
@@ -6471,7 +6544,7 @@
           <p:cNvPr id="7" name="Picture 6">
             <a:extLst>
               <a:ext uri="{FF2B5EF4-FFF2-40B4-BE49-F238E27FC236}">
-                <a16:creationId xmlns:a16="http://schemas.microsoft.com/office/drawing/2014/main" id="{4D60A90B-96A5-499E-9FD7-5808F1B6F830}"/>
+                <a16:creationId xmlns:a16="http://schemas.microsoft.com/office/drawing/2014/main" xmlns="" id="{4D60A90B-96A5-499E-9FD7-5808F1B6F830}"/>
               </a:ext>
             </a:extLst>
           </p:cNvPr>
@@ -6501,7 +6574,7 @@
           <p:cNvPr id="8" name="Picture 7">
             <a:extLst>
               <a:ext uri="{FF2B5EF4-FFF2-40B4-BE49-F238E27FC236}">
-                <a16:creationId xmlns:a16="http://schemas.microsoft.com/office/drawing/2014/main" id="{C5DF5C3A-54E9-4582-B5E1-21DDD3FB05AA}"/>
+                <a16:creationId xmlns:a16="http://schemas.microsoft.com/office/drawing/2014/main" xmlns="" id="{C5DF5C3A-54E9-4582-B5E1-21DDD3FB05AA}"/>
               </a:ext>
             </a:extLst>
           </p:cNvPr>
@@ -6536,6 +6609,13 @@
   <p:clrMapOvr>
     <a:masterClrMapping/>
   </p:clrMapOvr>
+  <p:timing>
+    <p:tnLst>
+      <p:par>
+        <p:cTn id="1" dur="indefinite" restart="never" nodeType="tmRoot"/>
+      </p:par>
+    </p:tnLst>
+  </p:timing>
 </p:sld>
 </file>
 
@@ -6561,7 +6641,7 @@
           <p:cNvPr id="2" name="Title 1">
             <a:extLst>
               <a:ext uri="{FF2B5EF4-FFF2-40B4-BE49-F238E27FC236}">
-                <a16:creationId xmlns:a16="http://schemas.microsoft.com/office/drawing/2014/main" id="{4A2EB732-319E-429D-856B-F4DB910A96E6}"/>
+                <a16:creationId xmlns:a16="http://schemas.microsoft.com/office/drawing/2014/main" xmlns="" id="{4A2EB732-319E-429D-856B-F4DB910A96E6}"/>
               </a:ext>
             </a:extLst>
           </p:cNvPr>
@@ -6590,7 +6670,7 @@
           <p:cNvPr id="3" name="Content Placeholder 2">
             <a:extLst>
               <a:ext uri="{FF2B5EF4-FFF2-40B4-BE49-F238E27FC236}">
-                <a16:creationId xmlns:a16="http://schemas.microsoft.com/office/drawing/2014/main" id="{3AE1DF73-100B-4A34-B751-697CA5BE4F98}"/>
+                <a16:creationId xmlns:a16="http://schemas.microsoft.com/office/drawing/2014/main" xmlns="" id="{3AE1DF73-100B-4A34-B751-697CA5BE4F98}"/>
               </a:ext>
             </a:extLst>
           </p:cNvPr>
@@ -6738,6 +6818,13 @@
   <p:clrMapOvr>
     <a:masterClrMapping/>
   </p:clrMapOvr>
+  <p:timing>
+    <p:tnLst>
+      <p:par>
+        <p:cTn id="1" dur="indefinite" restart="never" nodeType="tmRoot"/>
+      </p:par>
+    </p:tnLst>
+  </p:timing>
 </p:sld>
 </file>
 
@@ -6763,7 +6850,7 @@
           <p:cNvPr id="2" name="Title 1">
             <a:extLst>
               <a:ext uri="{FF2B5EF4-FFF2-40B4-BE49-F238E27FC236}">
-                <a16:creationId xmlns:a16="http://schemas.microsoft.com/office/drawing/2014/main" id="{1D674EF8-3616-4B31-A32E-0F1B414A363C}"/>
+                <a16:creationId xmlns:a16="http://schemas.microsoft.com/office/drawing/2014/main" xmlns="" id="{1D674EF8-3616-4B31-A32E-0F1B414A363C}"/>
               </a:ext>
             </a:extLst>
           </p:cNvPr>
@@ -6800,7 +6887,7 @@
           <p:cNvPr id="4" name="Content Placeholder 3">
             <a:extLst>
               <a:ext uri="{FF2B5EF4-FFF2-40B4-BE49-F238E27FC236}">
-                <a16:creationId xmlns:a16="http://schemas.microsoft.com/office/drawing/2014/main" id="{B16C8A5D-06E6-4DD5-8526-6FC39ACFA36C}"/>
+                <a16:creationId xmlns:a16="http://schemas.microsoft.com/office/drawing/2014/main" xmlns="" id="{B16C8A5D-06E6-4DD5-8526-6FC39ACFA36C}"/>
               </a:ext>
             </a:extLst>
           </p:cNvPr>
@@ -6837,6 +6924,13 @@
   <p:clrMapOvr>
     <a:masterClrMapping/>
   </p:clrMapOvr>
+  <p:timing>
+    <p:tnLst>
+      <p:par>
+        <p:cTn id="1" dur="indefinite" restart="never" nodeType="tmRoot"/>
+      </p:par>
+    </p:tnLst>
+  </p:timing>
 </p:sld>
 </file>
 
@@ -6862,7 +6956,7 @@
           <p:cNvPr id="2" name="Title 1">
             <a:extLst>
               <a:ext uri="{FF2B5EF4-FFF2-40B4-BE49-F238E27FC236}">
-                <a16:creationId xmlns:a16="http://schemas.microsoft.com/office/drawing/2014/main" id="{295037BE-1EDE-4B41-94F5-EA215A85B21F}"/>
+                <a16:creationId xmlns:a16="http://schemas.microsoft.com/office/drawing/2014/main" xmlns="" id="{295037BE-1EDE-4B41-94F5-EA215A85B21F}"/>
               </a:ext>
             </a:extLst>
           </p:cNvPr>
@@ -6891,7 +6985,7 @@
           <p:cNvPr id="3" name="Content Placeholder 2">
             <a:extLst>
               <a:ext uri="{FF2B5EF4-FFF2-40B4-BE49-F238E27FC236}">
-                <a16:creationId xmlns:a16="http://schemas.microsoft.com/office/drawing/2014/main" id="{461202F3-EC68-435B-9AB7-2E5593281EF8}"/>
+                <a16:creationId xmlns:a16="http://schemas.microsoft.com/office/drawing/2014/main" xmlns="" id="{461202F3-EC68-435B-9AB7-2E5593281EF8}"/>
               </a:ext>
             </a:extLst>
           </p:cNvPr>
@@ -6935,7 +7029,7 @@
           <p:cNvPr id="4" name="Picture 3">
             <a:extLst>
               <a:ext uri="{FF2B5EF4-FFF2-40B4-BE49-F238E27FC236}">
-                <a16:creationId xmlns:a16="http://schemas.microsoft.com/office/drawing/2014/main" id="{98A0F200-137D-4EE1-8F38-564F5B787369}"/>
+                <a16:creationId xmlns:a16="http://schemas.microsoft.com/office/drawing/2014/main" xmlns="" id="{98A0F200-137D-4EE1-8F38-564F5B787369}"/>
               </a:ext>
             </a:extLst>
           </p:cNvPr>
@@ -6970,6 +7064,13 @@
   <p:clrMapOvr>
     <a:masterClrMapping/>
   </p:clrMapOvr>
+  <p:timing>
+    <p:tnLst>
+      <p:par>
+        <p:cTn id="1" dur="indefinite" restart="never" nodeType="tmRoot"/>
+      </p:par>
+    </p:tnLst>
+  </p:timing>
 </p:sld>
 </file>
 
